--- a/Slides/ePortfolio_test-driven_development.pptx
+++ b/Slides/ePortfolio_test-driven_development.pptx
@@ -597,36 +597,87 @@
           <a:bodyPr/>
           <a:lstStyle/>
           <a:p>
-            <a:r>
-              <a:rPr lang="de-DE" dirty="0" smtClean="0"/>
-              <a:t>Geschichte: früher gab es schon Designparadigmen</a:t>
+            <a:pPr marL="171450" indent="-171450">
+              <a:buFont typeface="Arial" panose="020B0604020202020204" pitchFamily="34" charset="0"/>
+              <a:buChar char="•"/>
+            </a:pPr>
+            <a:r>
+              <a:rPr lang="de-DE" dirty="0" smtClean="0"/>
+              <a:t>TDD ist eine Methode</a:t>
             </a:r>
             <a:r>
               <a:rPr lang="de-DE" baseline="0" dirty="0" smtClean="0"/>
-              <a:t>, die man getestet hat</a:t>
-            </a:r>
-          </a:p>
-          <a:p>
+              <a:t> Programmcode zu implementieren</a:t>
+            </a:r>
+          </a:p>
+          <a:p>
+            <a:pPr marL="171450" indent="-171450">
+              <a:buFont typeface="Arial" panose="020B0604020202020204" pitchFamily="34" charset="0"/>
+              <a:buChar char="•"/>
+            </a:pPr>
             <a:r>
               <a:rPr lang="de-DE" baseline="0" dirty="0" smtClean="0"/>
-              <a:t>Doch entkoppelt von dem </a:t>
-            </a:r>
-            <a:r>
-              <a:rPr lang="de-DE" baseline="0" dirty="0" err="1" smtClean="0"/>
-              <a:t>eingetlichen</a:t>
-            </a:r>
+              <a:t>Gewöhnlich 1. Code dann Test</a:t>
+            </a:r>
+          </a:p>
+          <a:p>
+            <a:pPr marL="171450" indent="-171450">
+              <a:buFont typeface="Arial" panose="020B0604020202020204" pitchFamily="34" charset="0"/>
+              <a:buChar char="•"/>
+            </a:pPr>
             <a:r>
               <a:rPr lang="de-DE" baseline="0" dirty="0" smtClean="0"/>
-              <a:t> Programmcode gab es Tests zu Code der aber wieder verändert wurde und somit nicht dauerhaft als empfunden wurde…</a:t>
-            </a:r>
-          </a:p>
-          <a:p>
+              <a:t>Doch </a:t>
+            </a:r>
             <a:r>
               <a:rPr lang="de-DE" baseline="0" dirty="0" smtClean="0"/>
-              <a:t>Dann kam Kent Beck auf die Idee die Tests zu erst zu schreiben und den Code anhand des Test zu erstellen. Somit konnte ein Test als richtig betitelt werden</a:t>
-            </a:r>
-          </a:p>
-          <a:p>
+              <a:t>entkoppelt </a:t>
+            </a:r>
+            <a:r>
+              <a:rPr lang="de-DE" baseline="0" dirty="0" smtClean="0"/>
+              <a:t>vom Code </a:t>
+            </a:r>
+            <a:r>
+              <a:rPr lang="de-DE" baseline="0" dirty="0" smtClean="0"/>
+              <a:t>gab es Tests zu Code der </a:t>
+            </a:r>
+            <a:r>
+              <a:rPr lang="de-DE" baseline="0" dirty="0" smtClean="0"/>
+              <a:t>wieder verändert </a:t>
+            </a:r>
+            <a:r>
+              <a:rPr lang="de-DE" baseline="0" dirty="0" smtClean="0"/>
+              <a:t>wurde und somit nicht dauerhaft als </a:t>
+            </a:r>
+            <a:r>
+              <a:rPr lang="de-DE" baseline="0" dirty="0" smtClean="0"/>
+              <a:t>richtig empfunden wurde</a:t>
+            </a:r>
+          </a:p>
+          <a:p>
+            <a:pPr marL="171450" indent="-171450">
+              <a:buFont typeface="Arial" panose="020B0604020202020204" pitchFamily="34" charset="0"/>
+              <a:buChar char="•"/>
+            </a:pPr>
+            <a:r>
+              <a:rPr lang="de-DE" baseline="0" dirty="0" smtClean="0"/>
+              <a:t>Dann </a:t>
+            </a:r>
+            <a:r>
+              <a:rPr lang="de-DE" baseline="0" dirty="0" smtClean="0"/>
+              <a:t>kam Kent Beck auf die Idee die Tests zu erst zu schreiben und den Code anhand des Test zu erstellen. </a:t>
+            </a:r>
+            <a:r>
+              <a:rPr lang="de-DE" baseline="0" dirty="0" smtClean="0"/>
+              <a:t>Könnte ein dauerhaft korrekter Code gewährleistet werden</a:t>
+            </a:r>
+            <a:endParaRPr lang="de-DE" baseline="0" dirty="0" smtClean="0"/>
+          </a:p>
+          <a:p>
+            <a:pPr marL="171450" indent="-171450">
+              <a:buFont typeface="Arial" panose="020B0604020202020204" pitchFamily="34" charset="0"/>
+              <a:buChar char="•"/>
+            </a:pPr>
             <a:r>
               <a:rPr lang="de-DE" baseline="0" dirty="0" smtClean="0"/>
               <a:t>Diese Strategie wird hauptsächlich bei dem Agile </a:t>
@@ -637,21 +688,45 @@
             </a:r>
             <a:r>
               <a:rPr lang="de-DE" baseline="0" dirty="0" smtClean="0"/>
-              <a:t> verwendet.</a:t>
-            </a:r>
-          </a:p>
-          <a:p>
+              <a:t> </a:t>
+            </a:r>
+            <a:r>
+              <a:rPr lang="de-DE" baseline="0" dirty="0" smtClean="0"/>
+              <a:t>wie </a:t>
+            </a:r>
             <a:r>
               <a:rPr lang="de-DE" baseline="0" dirty="0" err="1" smtClean="0"/>
-              <a:t>Ablauf:</a:t>
-            </a:r>
-            <a:r>
-              <a:rPr lang="de-DE" dirty="0" err="1" smtClean="0"/>
-              <a:t>Zunächst</a:t>
-            </a:r>
-            <a:r>
-              <a:rPr lang="de-DE" dirty="0" smtClean="0"/>
-              <a:t> werden Testfälle bestimmt und realisiert. Diese Tests schlagen häufig fehl. Anschließend wird genauso so viel Code verfasst, wie es für das Bestehen des Tests notwendig ist. Diese Codebestandteile werden dann </a:t>
+              <a:t>Scrum</a:t>
+            </a:r>
+            <a:r>
+              <a:rPr lang="de-DE" baseline="0" dirty="0" smtClean="0"/>
+              <a:t> (Kern )und XP(kleine Schritte auf Kunden Lösung Pair-</a:t>
+            </a:r>
+            <a:r>
+              <a:rPr lang="de-DE" baseline="0" dirty="0" err="1" smtClean="0"/>
+              <a:t>programming</a:t>
+            </a:r>
+            <a:r>
+              <a:rPr lang="de-DE" baseline="0" dirty="0" smtClean="0"/>
+              <a:t>) verwendet.</a:t>
+            </a:r>
+          </a:p>
+          <a:p>
+            <a:pPr marL="171450" indent="-171450">
+              <a:buFont typeface="Arial" panose="020B0604020202020204" pitchFamily="34" charset="0"/>
+              <a:buChar char="•"/>
+            </a:pPr>
+            <a:r>
+              <a:rPr lang="de-DE" baseline="0" dirty="0" smtClean="0"/>
+              <a:t>Ablauf z</a:t>
+            </a:r>
+            <a:r>
+              <a:rPr lang="de-DE" dirty="0" smtClean="0"/>
+              <a:t>unächst </a:t>
+            </a:r>
+            <a:r>
+              <a:rPr lang="de-DE" dirty="0" smtClean="0"/>
+              <a:t>werden Testfälle bestimmt und realisiert. Diese Tests schlagen häufig fehl. Anschließend wird genauso so viel Code verfasst, wie es für das Bestehen des Tests notwendig ist. Diese Codebestandteile werden dann </a:t>
             </a:r>
             <a:r>
               <a:rPr lang="de-DE" dirty="0" err="1" smtClean="0"/>
@@ -659,7 +734,19 @@
             </a:r>
             <a:r>
               <a:rPr lang="de-DE" dirty="0" smtClean="0"/>
-              <a:t>; das heißt, dass der Quellcode unter Beibehaltung von Funktionen sukzessiv erweitert oder neu strukturiert wird. Dies erfolgt zyklisch, bis alle Anforderungen an die Software erfüllt werden und der Code in das Produktivsystem übertragen werden kann. </a:t>
+              <a:t>; das heißt, dass der Quellcode unter Beibehaltung von Funktionen sukzessiv erweitert oder neu strukturiert wird. Dies erfolgt zyklisch, bis alle Anforderungen an die Software erfüllt werden und der Code in das Produktivsystem übertragen werden </a:t>
+            </a:r>
+            <a:r>
+              <a:rPr lang="de-DE" dirty="0" smtClean="0"/>
+              <a:t>kann dann </a:t>
+            </a:r>
+            <a:r>
+              <a:rPr lang="de-DE" dirty="0" err="1" smtClean="0"/>
+              <a:t>repeaten</a:t>
+            </a:r>
+            <a:r>
+              <a:rPr lang="de-DE" dirty="0" smtClean="0"/>
+              <a:t>. </a:t>
             </a:r>
             <a:endParaRPr lang="de-DE" baseline="0" dirty="0" smtClean="0"/>
           </a:p>
@@ -756,12 +843,20 @@
             <a:endParaRPr lang="de-DE" dirty="0" smtClean="0"/>
           </a:p>
           <a:p>
+            <a:pPr marL="171450" indent="-171450">
+              <a:buFont typeface="Arial" panose="020B0604020202020204" pitchFamily="34" charset="0"/>
+              <a:buChar char="•"/>
+            </a:pPr>
             <a:r>
               <a:rPr lang="de-DE" dirty="0" smtClean="0"/>
               <a:t>kein ungetesteter Code</a:t>
             </a:r>
           </a:p>
           <a:p>
+            <a:pPr marL="171450" indent="-171450">
+              <a:buFont typeface="Arial" panose="020B0604020202020204" pitchFamily="34" charset="0"/>
+              <a:buChar char="•"/>
+            </a:pPr>
             <a:r>
               <a:rPr lang="de-DE" dirty="0" smtClean="0"/>
               <a:t>saubere/</a:t>
@@ -776,6 +871,10 @@
             </a:r>
           </a:p>
           <a:p>
+            <a:pPr marL="171450" indent="-171450">
+              <a:buFont typeface="Arial" panose="020B0604020202020204" pitchFamily="34" charset="0"/>
+              <a:buChar char="•"/>
+            </a:pPr>
             <a:r>
               <a:rPr lang="de-DE" dirty="0" smtClean="0"/>
               <a:t>keine/wenig Redundanzen durch gnadenloses rechtzeitiges </a:t>
@@ -794,12 +893,20 @@
             <a:endParaRPr lang="de-DE" dirty="0" smtClean="0"/>
           </a:p>
           <a:p>
+            <a:pPr marL="171450" indent="-171450">
+              <a:buFont typeface="Arial" panose="020B0604020202020204" pitchFamily="34" charset="0"/>
+              <a:buChar char="•"/>
+            </a:pPr>
             <a:r>
               <a:rPr lang="de-DE" dirty="0" smtClean="0"/>
               <a:t>kein unnötiger Code auf Vorrat</a:t>
             </a:r>
           </a:p>
           <a:p>
+            <a:pPr marL="171450" indent="-171450">
+              <a:buFont typeface="Arial" panose="020B0604020202020204" pitchFamily="34" charset="0"/>
+              <a:buChar char="•"/>
+            </a:pPr>
             <a:r>
               <a:rPr lang="de-DE" dirty="0" smtClean="0"/>
               <a:t>Konzentration auf das Wesentliche</a:t>
@@ -896,23 +1003,51 @@
             </a:r>
           </a:p>
           <a:p>
+            <a:pPr marL="171450" indent="-171450">
+              <a:buFont typeface="Arial" panose="020B0604020202020204" pitchFamily="34" charset="0"/>
+              <a:buChar char="•"/>
+            </a:pPr>
             <a:r>
               <a:rPr lang="de-DE" b="1" dirty="0" smtClean="0"/>
               <a:t>Konsequenz ist nötig</a:t>
             </a:r>
           </a:p>
           <a:p>
-            <a:r>
-              <a:rPr lang="de-DE" dirty="0" smtClean="0"/>
-              <a:t>Auch die Methode der </a:t>
-            </a:r>
-            <a:r>
-              <a:rPr lang="de-DE" i="1" dirty="0" smtClean="0"/>
-              <a:t>testgetriebenen Entwicklung</a:t>
-            </a:r>
-            <a:r>
-              <a:rPr lang="de-DE" dirty="0" smtClean="0"/>
-              <a:t> kann falsch eingesetzt werden und dann scheitern. Programmierern, die noch keine Erfahrung dabei besitzen, erscheint sie manchmal schwierig oder gar unmöglich. Sie fragen sich, wie man etwas testen soll, das doch noch gar nicht vorhanden ist. Auswirkung kann sein, dass sie die Prinzipien dieser Methode vernachlässigen, was insbesondere bei agilen Methoden wie dem Extreme </a:t>
+            <a:pPr marL="228600" indent="-228600">
+              <a:buFont typeface="+mj-lt"/>
+              <a:buAutoNum type="arabicPeriod"/>
+            </a:pPr>
+            <a:r>
+              <a:rPr lang="de-DE" dirty="0" smtClean="0"/>
+              <a:t>Programmierern</a:t>
+            </a:r>
+            <a:r>
+              <a:rPr lang="de-DE" baseline="0" dirty="0" smtClean="0"/>
+              <a:t> </a:t>
+            </a:r>
+            <a:r>
+              <a:rPr lang="de-DE" dirty="0" smtClean="0"/>
+              <a:t>keine </a:t>
+            </a:r>
+            <a:r>
+              <a:rPr lang="de-DE" dirty="0" smtClean="0"/>
+              <a:t>Erfahrung </a:t>
+            </a:r>
+            <a:r>
+              <a:rPr lang="de-DE" dirty="0" smtClean="0"/>
+              <a:t>schwierig ,was </a:t>
+            </a:r>
+            <a:r>
+              <a:rPr lang="de-DE" dirty="0" smtClean="0"/>
+              <a:t>testen </a:t>
+            </a:r>
+            <a:r>
+              <a:rPr lang="de-DE" dirty="0" smtClean="0"/>
+              <a:t>soll? -&gt;Prinzipien </a:t>
+            </a:r>
+            <a:r>
+              <a:rPr lang="de-DE" dirty="0" smtClean="0"/>
+              <a:t>dieser Methode vernachlässigen, was insbesondere bei agilen Methoden wie dem Extreme </a:t>
             </a:r>
             <a:r>
               <a:rPr lang="de-DE" dirty="0" err="1" smtClean="0"/>
@@ -920,7 +1055,30 @@
             </a:r>
             <a:r>
               <a:rPr lang="de-DE" dirty="0" smtClean="0"/>
-              <a:t> Schwierigkeiten beim Entwicklungsprozess oder sogar dessen Zusammenbruch zur Folge haben kann. Ohne ausreichende Unit-Tests wird keine ausreichende </a:t>
+              <a:t> Schwierigkeiten </a:t>
+            </a:r>
+            <a:r>
+              <a:rPr lang="de-DE" dirty="0" smtClean="0"/>
+              <a:t>zur </a:t>
+            </a:r>
+            <a:r>
+              <a:rPr lang="de-DE" dirty="0" smtClean="0"/>
+              <a:t>Folge haben kann. </a:t>
+            </a:r>
+            <a:endParaRPr lang="de-DE" dirty="0" smtClean="0"/>
+          </a:p>
+          <a:p>
+            <a:pPr marL="228600" indent="-228600">
+              <a:buFont typeface="+mj-lt"/>
+              <a:buAutoNum type="arabicPeriod"/>
+            </a:pPr>
+            <a:r>
+              <a:rPr lang="de-DE" dirty="0" smtClean="0"/>
+              <a:t>Ohne </a:t>
+            </a:r>
+            <a:r>
+              <a:rPr lang="de-DE" dirty="0" smtClean="0"/>
+              <a:t>ausreichende Unit-Tests wird keine ausreichende </a:t>
             </a:r>
             <a:r>
               <a:rPr lang="de-DE" dirty="0" smtClean="0">
@@ -954,12 +1112,20 @@
             </a:r>
           </a:p>
           <a:p>
+            <a:pPr marL="171450" indent="-171450">
+              <a:buFont typeface="Arial" panose="020B0604020202020204" pitchFamily="34" charset="0"/>
+              <a:buChar char="•"/>
+            </a:pPr>
             <a:r>
               <a:rPr lang="de-DE" b="1" dirty="0" smtClean="0"/>
               <a:t>Ausbildung/Übung erforderlich</a:t>
             </a:r>
           </a:p>
           <a:p>
+            <a:pPr marL="228600" indent="-228600">
+              <a:buFont typeface="+mj-lt"/>
+              <a:buAutoNum type="arabicPeriod"/>
+            </a:pPr>
             <a:r>
               <a:rPr lang="de-DE" dirty="0" smtClean="0"/>
               <a:t>Ein wesentliches Argument von Gegnern der </a:t>
@@ -970,16 +1136,50 @@
             </a:r>
             <a:r>
               <a:rPr lang="de-DE" dirty="0" smtClean="0"/>
-              <a:t> ist, dass insbesondere Unit-Tests den Aufwand bei Änderungen an bestehender Funktionalität unnötig erhöhen, weil eine Änderung am Produktions-Code unverhältnismäßig viele Unit-Tests fehl schlagen lässt. Die Ursache dafür liegt jedoch in der Regel darin, dass die getestete Unit nicht ausreichend separiert wurde, die Tests also nicht atomar sind.</a:t>
-            </a:r>
-          </a:p>
-          <a:p>
-            <a:r>
-              <a:rPr lang="de-DE" dirty="0" smtClean="0"/>
-              <a:t>Um dieses Problem zu vermeiden ist es notwendig, dass die Programmierer darin geschult werden, wie sie die Anforderungen in atomare Funktionseinheiten zerlegen können und dies üben.</a:t>
-            </a:r>
-          </a:p>
-          <a:p>
+              <a:t> ist, dass insbesondere Unit-Tests den Aufwand bei Änderungen an bestehender Funktionalität unnötig erhöhen, weil eine Änderung am Produktions-Code unverhältnismäßig viele Unit-Tests fehl schlagen lässt</a:t>
+            </a:r>
+            <a:r>
+              <a:rPr lang="de-DE" dirty="0" smtClean="0"/>
+              <a:t>.</a:t>
+            </a:r>
+          </a:p>
+          <a:p>
+            <a:pPr marL="228600" indent="-228600">
+              <a:buFont typeface="+mj-lt"/>
+              <a:buAutoNum type="arabicPeriod"/>
+            </a:pPr>
+            <a:r>
+              <a:rPr lang="de-DE" dirty="0" smtClean="0"/>
+              <a:t>Die </a:t>
+            </a:r>
+            <a:r>
+              <a:rPr lang="de-DE" dirty="0" smtClean="0"/>
+              <a:t>Ursache dafür liegt jedoch in der Regel darin, dass die getestete Unit nicht ausreichend separiert wurde, die Tests also nicht atomar sind</a:t>
+            </a:r>
+            <a:r>
+              <a:rPr lang="de-DE" dirty="0" smtClean="0"/>
+              <a:t>. </a:t>
+            </a:r>
+          </a:p>
+          <a:p>
+            <a:pPr marL="228600" indent="-228600">
+              <a:buFont typeface="+mj-lt"/>
+              <a:buAutoNum type="arabicPeriod"/>
+            </a:pPr>
+            <a:r>
+              <a:rPr lang="de-DE" dirty="0" smtClean="0"/>
+              <a:t>Um </a:t>
+            </a:r>
+            <a:r>
+              <a:rPr lang="de-DE" dirty="0" smtClean="0"/>
+              <a:t>dieses Problem zu vermeiden ist es notwendig, dass die Programmierer darin geschult werden, wie sie die Anforderungen in atomare Funktionseinheiten zerlegen können und dies üben.</a:t>
+            </a:r>
+          </a:p>
+          <a:p>
+            <a:pPr marL="171450" indent="-171450">
+              <a:buFont typeface="Arial" panose="020B0604020202020204" pitchFamily="34" charset="0"/>
+              <a:buChar char="•"/>
+            </a:pPr>
             <a:r>
               <a:rPr lang="de-DE" b="1" dirty="0" smtClean="0"/>
               <a:t>Kein Ersatz für alle anderen Testarten</a:t>
@@ -992,6 +1192,10 @@
             </a:r>
           </a:p>
           <a:p>
+            <a:pPr marL="228600" indent="-228600">
+              <a:buFont typeface="+mj-lt"/>
+              <a:buAutoNum type="arabicPeriod"/>
+            </a:pPr>
             <a:r>
               <a:rPr lang="de-DE" dirty="0" smtClean="0"/>
               <a:t>Fehler, die im Zusammenspiel zwischen verschiedenen Programmen oder Programmteilen entstehen, können mittels </a:t>
@@ -1008,6 +1212,10 @@
             </a:r>
           </a:p>
           <a:p>
+            <a:pPr marL="228600" indent="-228600">
+              <a:buFont typeface="+mj-lt"/>
+              <a:buAutoNum type="arabicPeriod"/>
+            </a:pPr>
             <a:r>
               <a:rPr lang="de-DE" dirty="0" smtClean="0"/>
               <a:t>Die Gebrauchstauglichkeit einer Software kann mittels testgetriebener Entwicklung nicht festgestellt werden. Dafür sind </a:t>
@@ -1024,6 +1232,10 @@
             </a:r>
           </a:p>
           <a:p>
+            <a:pPr marL="228600" indent="-228600">
+              <a:buFont typeface="+mj-lt"/>
+              <a:buAutoNum type="arabicPeriod"/>
+            </a:pPr>
             <a:r>
               <a:rPr lang="de-DE" dirty="0" smtClean="0"/>
               <a:t>Die Entsprechung der Software gegenüber den funktionalen und nicht-funktionalen Anforderungen kann mittels testgetriebener Entwicklung oft nicht festgestellt werden. Dafür sind akzeptanztestgetriebene Entwicklung wie beispielsweise </a:t>
@@ -1068,6 +1280,10 @@
             </a:r>
           </a:p>
           <a:p>
+            <a:pPr marL="228600" indent="-228600">
+              <a:buFont typeface="+mj-lt"/>
+              <a:buAutoNum type="arabicPeriod"/>
+            </a:pPr>
             <a:r>
               <a:rPr lang="de-DE" dirty="0" smtClean="0"/>
               <a:t>Keine der genannten Testarten und Vorgehensweisen kann alle Fehler aufdecken, darum sollten in den meisten Fällen mehrere Testarten und fehlervermeidende Vorgehensweisen angewendet werden.</a:t>
@@ -1158,6 +1374,10 @@
           <a:bodyPr/>
           <a:lstStyle/>
           <a:p>
+            <a:pPr marL="171450" indent="-171450">
+              <a:buFont typeface="Arial" panose="020B0604020202020204" pitchFamily="34" charset="0"/>
+              <a:buChar char="•"/>
+            </a:pPr>
             <a:r>
               <a:rPr lang="de-DE" dirty="0" smtClean="0"/>
               <a:t>Test </a:t>
@@ -1168,7 +1388,51 @@
             </a:r>
             <a:r>
               <a:rPr lang="de-DE" dirty="0" smtClean="0"/>
-              <a:t> Development läuft inkrementell ab: Die Software wird Schritt für Schritt erweitert, nachdem die ersten Testfälle geschrieben wurden. Bei jedem Schritt wird die Software mit teilweise minimalen Funktionen angereichert und wieder getestet. Jeder fehlerhafte Test zieht das Verfassen von Quellcode nach sich; jeder bestandene Test erweitert den Funktionsumfang oder stellt die Funktionalität der Software sicher. Einzelne Testfälle, auch </a:t>
+              <a:t> Development läuft </a:t>
+            </a:r>
+            <a:r>
+              <a:rPr lang="de-DE" b="1" dirty="0" smtClean="0"/>
+              <a:t>inkrementell</a:t>
+            </a:r>
+            <a:r>
+              <a:rPr lang="de-DE" dirty="0" smtClean="0"/>
+              <a:t> </a:t>
+            </a:r>
+            <a:r>
+              <a:rPr lang="de-DE" dirty="0" smtClean="0"/>
+              <a:t>ab</a:t>
+            </a:r>
+          </a:p>
+          <a:p>
+            <a:pPr marL="228600" indent="-228600">
+              <a:buFont typeface="+mj-lt"/>
+              <a:buAutoNum type="arabicPeriod"/>
+            </a:pPr>
+            <a:r>
+              <a:rPr lang="de-DE" dirty="0" smtClean="0"/>
+              <a:t>Die </a:t>
+            </a:r>
+            <a:r>
+              <a:rPr lang="de-DE" dirty="0" smtClean="0"/>
+              <a:t>Software wird Schritt für Schritt erweitert, nachdem die ersten Testfälle geschrieben wurden. Bei jedem Schritt wird die Software mit teilweise minimalen Funktionen angereichert und wieder getestet. Jeder fehlerhafte Test zieht das Verfassen von Quellcode nach sich</a:t>
+            </a:r>
+            <a:r>
+              <a:rPr lang="de-DE" dirty="0" smtClean="0"/>
+              <a:t>;</a:t>
+            </a:r>
+          </a:p>
+          <a:p>
+            <a:pPr marL="228600" indent="-228600">
+              <a:buFont typeface="+mj-lt"/>
+              <a:buAutoNum type="arabicPeriod"/>
+            </a:pPr>
+            <a:r>
+              <a:rPr lang="de-DE" dirty="0" smtClean="0"/>
+              <a:t>jeder </a:t>
+            </a:r>
+            <a:r>
+              <a:rPr lang="de-DE" dirty="0" smtClean="0"/>
+              <a:t>bestandene Test erweitert den Funktionsumfang oder stellt die Funktionalität der Software sicher. </a:t>
             </a:r>
             <a:r>
               <a:rPr lang="de-DE" dirty="0" err="1" smtClean="0"/>
@@ -1176,10 +1440,22 @@
             </a:r>
             <a:r>
               <a:rPr lang="de-DE" dirty="0" smtClean="0"/>
-              <a:t> genannt, nehmen in der Regel nur wenig Zeit in Anspruch, sodass der Fortschritt bei der Softwareentwicklung unmittelbar sichtbar wird. </a:t>
-            </a:r>
-          </a:p>
-          <a:p>
+              <a:t> </a:t>
+            </a:r>
+            <a:r>
+              <a:rPr lang="de-DE" dirty="0" smtClean="0"/>
+              <a:t>nehmen in der Regel nur wenig Zeit in Anspruch, sodass der Fortschritt bei der Softwareentwicklung unmittelbar sichtbar wird. </a:t>
+            </a:r>
+            <a:endParaRPr lang="de-DE" dirty="0" smtClean="0"/>
+          </a:p>
+          <a:p>
+            <a:endParaRPr lang="de-DE" dirty="0" smtClean="0"/>
+          </a:p>
+          <a:p>
+            <a:pPr marL="171450" indent="-171450">
+              <a:buFont typeface="Arial" panose="020B0604020202020204" pitchFamily="34" charset="0"/>
+              <a:buChar char="•"/>
+            </a:pPr>
             <a:r>
               <a:rPr lang="de-DE" dirty="0" smtClean="0"/>
               <a:t>Einige Entwickler schreiben eine Zeile Code für das </a:t>
@@ -1200,7 +1476,19 @@
             </a:r>
             <a:r>
               <a:rPr lang="de-DE" dirty="0" smtClean="0"/>
-              <a:t>. Dieses Herunterbrechen auf kleine Bestandteile der Software führt zu einem Zyklus, der die täglichen Abläufe strukturiert. Exemplarisch wird dieses Vorgehen in den drei Gesetzen des Test </a:t>
+              <a:t>. </a:t>
+            </a:r>
+            <a:r>
+              <a:rPr lang="de-DE" dirty="0" smtClean="0"/>
+              <a:t>Dieses Herunterbrechen auf kleine Bestandteile der Software führt zu einem Zyklus, der die täglichen Abläufe strukturiert. </a:t>
+            </a:r>
+            <a:r>
+              <a:rPr lang="de-DE" dirty="0" smtClean="0"/>
+              <a:t>Bestehend aus drei </a:t>
+            </a:r>
+            <a:r>
+              <a:rPr lang="de-DE" dirty="0" smtClean="0"/>
+              <a:t>Gesetzen des Test </a:t>
             </a:r>
             <a:r>
               <a:rPr lang="de-DE" dirty="0" err="1" smtClean="0"/>
@@ -1208,13 +1496,110 @@
             </a:r>
             <a:r>
               <a:rPr lang="de-DE" dirty="0" smtClean="0"/>
-              <a:t> Development:</a:t>
+              <a:t> </a:t>
+            </a:r>
+            <a:r>
+              <a:rPr lang="de-DE" dirty="0" smtClean="0"/>
+              <a:t>Development</a:t>
+            </a:r>
+          </a:p>
+          <a:p>
+            <a:pPr marL="228600" indent="-228600">
+              <a:buFont typeface="+mj-lt"/>
+              <a:buAutoNum type="arabicPeriod"/>
+            </a:pPr>
+            <a:r>
+              <a:rPr lang="de-DE" dirty="0" smtClean="0"/>
+              <a:t>Schreibe </a:t>
+            </a:r>
+            <a:r>
+              <a:rPr lang="de-DE" dirty="0" smtClean="0"/>
+              <a:t>einen Test, bevor du Code für das Produktivsystem verfasst.</a:t>
+            </a:r>
+          </a:p>
+          <a:p>
+            <a:pPr marL="228600" indent="-228600">
+              <a:buFont typeface="+mj-lt"/>
+              <a:buAutoNum type="arabicPeriod"/>
+            </a:pPr>
+            <a:r>
+              <a:rPr lang="de-DE" dirty="0" smtClean="0"/>
+              <a:t>Schreibe nur so viel Code für den Test, wie du für das Nichtbestehen des Tests benötigst (oder für das fehlgeschlagene Kompilieren)</a:t>
+            </a:r>
+          </a:p>
+          <a:p>
+            <a:pPr marL="228600" indent="-228600">
+              <a:buFont typeface="+mj-lt"/>
+              <a:buAutoNum type="arabicPeriod"/>
+            </a:pPr>
+            <a:r>
+              <a:rPr lang="de-DE" dirty="0" smtClean="0"/>
+              <a:t>Schreibe nur so viel Code, wie es für den aktuellen Testfall und dessen Bestehen hinreichend ist</a:t>
+            </a:r>
+            <a:r>
+              <a:rPr lang="de-DE" dirty="0" smtClean="0"/>
+              <a:t>.</a:t>
+            </a:r>
+          </a:p>
+          <a:p>
+            <a:pPr marL="0" indent="0">
+              <a:buFont typeface="+mj-lt"/>
+              <a:buNone/>
+            </a:pPr>
+            <a:r>
+              <a:rPr lang="de-DE" b="1" dirty="0" smtClean="0"/>
+              <a:t>Sekundentakt</a:t>
+            </a:r>
+          </a:p>
+          <a:p>
+            <a:pPr marL="0" indent="0">
+              <a:buFont typeface="+mj-lt"/>
+              <a:buNone/>
+            </a:pPr>
+            <a:endParaRPr lang="de-DE" dirty="0" smtClean="0"/>
+          </a:p>
+          <a:p>
+            <a:pPr marL="228600" indent="-228600">
+              <a:buFont typeface="Arial" panose="020B0604020202020204" pitchFamily="34" charset="0"/>
+              <a:buChar char="•"/>
+            </a:pPr>
+            <a:r>
+              <a:rPr lang="de-DE" dirty="0" smtClean="0"/>
+              <a:t>Die </a:t>
+            </a:r>
+            <a:r>
+              <a:rPr lang="de-DE" dirty="0" smtClean="0"/>
+              <a:t>nächste Stufe bildet ein Zyklus, der auf </a:t>
+            </a:r>
+            <a:r>
+              <a:rPr lang="de-DE" b="1" dirty="0" smtClean="0"/>
+              <a:t>Minuten</a:t>
+            </a:r>
+            <a:r>
+              <a:rPr lang="de-DE" dirty="0" smtClean="0"/>
+              <a:t> bezogen ist und auch als </a:t>
+            </a:r>
+            <a:r>
+              <a:rPr lang="de-DE" dirty="0" err="1" smtClean="0"/>
+              <a:t>Red</a:t>
+            </a:r>
+            <a:r>
+              <a:rPr lang="de-DE" dirty="0" smtClean="0"/>
+              <a:t>-Green-</a:t>
+            </a:r>
+            <a:r>
+              <a:rPr lang="de-DE" dirty="0" err="1" smtClean="0"/>
+              <a:t>Refactor</a:t>
+            </a:r>
+            <a:r>
+              <a:rPr lang="de-DE" dirty="0" smtClean="0"/>
+              <a:t> bezeichnet wird.</a:t>
             </a:r>
             <a:r>
               <a:rPr lang="de-DE" baseline="30000" dirty="0" smtClean="0">
                 <a:hlinkClick r:id="rId4"/>
               </a:rPr>
-              <a:t>[3]</a:t>
+              <a:t>[4]</a:t>
             </a:r>
             <a:r>
               <a:rPr lang="de-DE" dirty="0" smtClean="0"/>
@@ -1222,68 +1607,30 @@
             </a:r>
           </a:p>
           <a:p>
-            <a:r>
-              <a:rPr lang="de-DE" dirty="0" smtClean="0"/>
-              <a:t>Schreibe einen Test, bevor du Code für das Produktivsystem verfasst.</a:t>
-            </a:r>
-          </a:p>
-          <a:p>
-            <a:r>
-              <a:rPr lang="de-DE" dirty="0" smtClean="0"/>
-              <a:t>Schreibe nur so viel Code für den Test, wie du für das Nichtbestehen des Tests benötigst (oder für das fehlgeschlagene Kompilieren)</a:t>
-            </a:r>
-          </a:p>
-          <a:p>
-            <a:r>
-              <a:rPr lang="de-DE" dirty="0" smtClean="0"/>
-              <a:t>Schreibe nur so viel Code, wie es für den aktuellen Testfall und dessen Bestehen hinreichend ist.</a:t>
-            </a:r>
-          </a:p>
-          <a:p>
-            <a:r>
-              <a:rPr lang="de-DE" dirty="0" smtClean="0"/>
-              <a:t>Entwickler, die diese Regeln befolgen, dürften Zyklen verwenden, die nicht mehr als 30 Sekunden lang sind. Die nächste Stufe bildet ein Zyklus, der auf Minuten bezogen ist und auch als </a:t>
-            </a:r>
-            <a:r>
-              <a:rPr lang="de-DE" dirty="0" err="1" smtClean="0"/>
-              <a:t>Red</a:t>
-            </a:r>
-            <a:r>
-              <a:rPr lang="de-DE" dirty="0" smtClean="0"/>
-              <a:t>-Green-</a:t>
-            </a:r>
-            <a:r>
-              <a:rPr lang="de-DE" dirty="0" err="1" smtClean="0"/>
-              <a:t>Refactor</a:t>
-            </a:r>
-            <a:r>
-              <a:rPr lang="de-DE" dirty="0" smtClean="0"/>
-              <a:t> bezeichnet wird.</a:t>
-            </a:r>
-            <a:r>
-              <a:rPr lang="de-DE" baseline="30000" dirty="0" smtClean="0">
-                <a:hlinkClick r:id="rId5"/>
-              </a:rPr>
-              <a:t>[4]</a:t>
-            </a:r>
-            <a:r>
-              <a:rPr lang="de-DE" dirty="0" smtClean="0"/>
-              <a:t> </a:t>
-            </a:r>
-          </a:p>
-          <a:p>
+            <a:pPr marL="228600" indent="-228600">
+              <a:buFont typeface="+mj-lt"/>
+              <a:buAutoNum type="arabicPeriod"/>
+            </a:pPr>
             <a:r>
               <a:rPr lang="de-DE" dirty="0" smtClean="0"/>
               <a:t>Test schreiben: Test schlägt fehl und wird rot markiert.</a:t>
             </a:r>
           </a:p>
           <a:p>
+            <a:pPr marL="228600" indent="-228600">
+              <a:buFont typeface="+mj-lt"/>
+              <a:buAutoNum type="arabicPeriod"/>
+            </a:pPr>
             <a:r>
               <a:rPr lang="de-DE" dirty="0" smtClean="0"/>
               <a:t>Produktivcode schreiben und in das Produktivsystem integrieren: Test wird bestanden und wird grün markiert.</a:t>
             </a:r>
           </a:p>
           <a:p>
+            <a:pPr marL="228600" indent="-228600">
+              <a:buFont typeface="+mj-lt"/>
+              <a:buAutoNum type="arabicPeriod"/>
+            </a:pPr>
             <a:r>
               <a:rPr lang="de-DE" dirty="0" err="1" smtClean="0"/>
               <a:t>Refactoring</a:t>
@@ -1298,14 +1645,49 @@
             </a:r>
             <a:r>
               <a:rPr lang="de-DE" dirty="0" smtClean="0"/>
-              <a:t> zu Problemen führen, da es hier in erster Linie um die Struktur des Codes geht und nicht um die Funktionalität der Software, die durch den Test-First-Ansatz gewährleistet wird.</a:t>
-            </a:r>
-          </a:p>
-          <a:p>
-            <a:r>
-              <a:rPr lang="de-DE" dirty="0" smtClean="0"/>
-              <a:t>Daneben gibt es weitere Zyklen, die sich auf die Evolution des Entwicklungsprozesses beziehen. Der sogenannte </a:t>
-            </a:r>
+              <a:t> zu Problemen führen, da es hier in erster Linie um die Struktur des Codes geht und nicht um die Funktionalität der Software, die durch den Test-First-Ansatz gewährleistet wird</a:t>
+            </a:r>
+            <a:r>
+              <a:rPr lang="de-DE" dirty="0" smtClean="0"/>
+              <a:t>.</a:t>
+            </a:r>
+          </a:p>
+          <a:p>
+            <a:pPr marL="228600" indent="-228600">
+              <a:buFont typeface="+mj-lt"/>
+              <a:buAutoNum type="arabicPeriod"/>
+            </a:pPr>
+            <a:r>
+              <a:rPr lang="de-DE" dirty="0" smtClean="0"/>
+              <a:t>Repeat</a:t>
+            </a:r>
+          </a:p>
+          <a:p>
+            <a:endParaRPr lang="de-DE" dirty="0" smtClean="0"/>
+          </a:p>
+          <a:p>
+            <a:r>
+              <a:rPr lang="de-DE" dirty="0" smtClean="0"/>
+              <a:t>Weiter</a:t>
+            </a:r>
+            <a:r>
+              <a:rPr lang="de-DE" baseline="0" dirty="0" smtClean="0"/>
+              <a:t> </a:t>
+            </a:r>
+            <a:r>
+              <a:rPr lang="de-DE" baseline="0" dirty="0" err="1" smtClean="0"/>
+              <a:t>zyklen</a:t>
+            </a:r>
+            <a:r>
+              <a:rPr lang="de-DE" baseline="0" dirty="0" smtClean="0"/>
+              <a:t>:</a:t>
+            </a:r>
+          </a:p>
+          <a:p>
+            <a:pPr marL="228600" indent="-228600">
+              <a:buFont typeface="+mj-lt"/>
+              <a:buAutoNum type="arabicPeriod"/>
+            </a:pPr>
             <a:r>
               <a:rPr lang="de-DE" dirty="0" err="1" smtClean="0"/>
               <a:t>Specific</a:t>
@@ -1320,18 +1702,39 @@
             </a:r>
             <a:r>
               <a:rPr lang="de-DE" dirty="0" smtClean="0"/>
-              <a:t>-Cycle und der Primary Cycle sind zu erwähnen. Der erste Zyklus soll sicherstellen, dass einzelne Module in ihrer Gesamtheit das Ziel der Software erreichen. Der zweite Zyklus macht Grenzen deutlich, die durch die Architektur und die vorher bestimmten Regeln gegeben sind. Eine klare Systemarchitektur und das Ineinandergreifen aller Module und Komponenten sind hier das Ziel.</a:t>
-            </a:r>
-            <a:r>
-              <a:rPr lang="de-DE" baseline="30000" dirty="0" smtClean="0">
-                <a:hlinkClick r:id="rId6"/>
-              </a:rPr>
-              <a:t>[5]</a:t>
+              <a:t>-Cycle Der erste Zyklus soll sicherstellen, dass einzelne Module in ihrer Gesamtheit das Ziel der Software erreichen</a:t>
+            </a:r>
+          </a:p>
+          <a:p>
+            <a:pPr marL="228600" indent="-228600">
+              <a:buFont typeface="+mj-lt"/>
+              <a:buAutoNum type="arabicPeriod"/>
+            </a:pPr>
+            <a:r>
+              <a:rPr lang="de-DE" dirty="0" smtClean="0"/>
+              <a:t>Primary </a:t>
+            </a:r>
+            <a:r>
+              <a:rPr lang="de-DE" dirty="0" smtClean="0"/>
+              <a:t>Cycle sind zu </a:t>
+            </a:r>
+            <a:r>
+              <a:rPr lang="de-DE" dirty="0" err="1" smtClean="0"/>
+              <a:t>erwähnen.Der</a:t>
             </a:r>
             <a:r>
               <a:rPr lang="de-DE" dirty="0" smtClean="0"/>
               <a:t> </a:t>
             </a:r>
+            <a:r>
+              <a:rPr lang="de-DE" dirty="0" smtClean="0"/>
+              <a:t>zweite Zyklus macht Grenzen deutlich, die durch die Architektur und die vorher bestimmten Regeln gegeben sind. Eine klare Systemarchitektur und das Ineinandergreifen aller Module und Komponenten sind hier das </a:t>
+            </a:r>
+            <a:r>
+              <a:rPr lang="de-DE" dirty="0" smtClean="0"/>
+              <a:t>Ziel </a:t>
+            </a:r>
+            <a:endParaRPr lang="de-DE" dirty="0" smtClean="0"/>
           </a:p>
           <a:p>
             <a:endParaRPr lang="de-DE" dirty="0"/>
@@ -1433,37 +1836,33 @@
             </a:r>
             <a:r>
               <a:rPr lang="de-DE" dirty="0" smtClean="0"/>
-              <a:t> ist wesentlicher Bestandteil des </a:t>
+              <a:t> ist wesentlicher Bestandteil </a:t>
+            </a:r>
+            <a:r>
+              <a:rPr lang="de-DE" dirty="0" smtClean="0"/>
+              <a:t>der</a:t>
+            </a:r>
+            <a:r>
+              <a:rPr lang="de-DE" baseline="0" dirty="0" smtClean="0"/>
+              <a:t> </a:t>
             </a:r>
             <a:r>
               <a:rPr lang="de-DE" dirty="0" smtClean="0">
-                <a:hlinkClick r:id="rId3" tooltip="Extreme Programming"/>
+                <a:hlinkClick r:id="rId3" tooltip="Agile Methode"/>
               </a:rPr>
-              <a:t>Extreme </a:t>
-            </a:r>
-            <a:r>
-              <a:rPr lang="de-DE" dirty="0" err="1" smtClean="0">
-                <a:hlinkClick r:id="rId3" tooltip="Extreme Programming"/>
-              </a:rPr>
-              <a:t>Programming</a:t>
-            </a:r>
-            <a:r>
-              <a:rPr lang="de-DE" dirty="0" smtClean="0"/>
-              <a:t> (XP) und anderer </a:t>
+              <a:t>agiler </a:t>
+            </a:r>
+            <a:r>
+              <a:rPr lang="de-DE" dirty="0" smtClean="0"/>
+              <a:t>Softwareentwicklungsmethoden. </a:t>
+            </a:r>
+            <a:r>
+              <a:rPr lang="de-DE" dirty="0" smtClean="0"/>
+              <a:t>Auch außerhalb dieser ist sie anzutreffen, häufig in Verbindung mit der </a:t>
             </a:r>
             <a:r>
               <a:rPr lang="de-DE" dirty="0" smtClean="0">
-                <a:hlinkClick r:id="rId4" tooltip="Agile Methode"/>
-              </a:rPr>
-              <a:t>agiler Methoden</a:t>
-            </a:r>
-            <a:r>
-              <a:rPr lang="de-DE" dirty="0" smtClean="0"/>
-              <a:t>. Auch außerhalb dieser ist sie anzutreffen, häufig in Verbindung mit der </a:t>
-            </a:r>
-            <a:r>
-              <a:rPr lang="de-DE" dirty="0" smtClean="0">
-                <a:hlinkClick r:id="rId5" tooltip="Paarprogrammierung"/>
+                <a:hlinkClick r:id="rId4" tooltip="Paarprogrammierung"/>
               </a:rPr>
               <a:t>Paarprogrammierung</a:t>
             </a:r>
@@ -1473,13 +1872,17 @@
             </a:r>
             <a:r>
               <a:rPr lang="de-DE" dirty="0" smtClean="0">
-                <a:hlinkClick r:id="rId6" tooltip="Kata (Programmierung)"/>
+                <a:hlinkClick r:id="rId5" tooltip="Kata (Programmierung)"/>
               </a:rPr>
               <a:t>Katas</a:t>
             </a:r>
             <a:r>
               <a:rPr lang="de-DE" dirty="0" smtClean="0"/>
-              <a:t> eingesetzt.</a:t>
+              <a:t> (Karate ständige Wiederholung kleiner Übungen) </a:t>
+            </a:r>
+            <a:r>
+              <a:rPr lang="de-DE" dirty="0" smtClean="0"/>
+              <a:t>eingesetzt.</a:t>
             </a:r>
           </a:p>
           <a:p>
@@ -1491,13 +1894,25 @@
           <a:p>
             <a:r>
               <a:rPr lang="de-DE" dirty="0" smtClean="0"/>
-              <a:t>Die testgetriebene Entwicklung braucht vordringlich</a:t>
-            </a:r>
-          </a:p>
-          <a:p>
-            <a:r>
-              <a:rPr lang="de-DE" dirty="0" smtClean="0"/>
-              <a:t>ein Werkzeug zur </a:t>
+              <a:t>Die testgetriebene Entwicklung braucht </a:t>
+            </a:r>
+            <a:r>
+              <a:rPr lang="de-DE" dirty="0" smtClean="0"/>
+              <a:t>vordringlich:</a:t>
+            </a:r>
+          </a:p>
+          <a:p>
+            <a:pPr marL="228600" indent="-228600">
+              <a:buFont typeface="Arial" panose="020B0604020202020204" pitchFamily="34" charset="0"/>
+              <a:buChar char="•"/>
+            </a:pPr>
+            <a:r>
+              <a:rPr lang="de-DE" dirty="0" smtClean="0"/>
+              <a:t>ein </a:t>
+            </a:r>
+            <a:r>
+              <a:rPr lang="de-DE" dirty="0" smtClean="0"/>
+              <a:t>Werkzeug zur </a:t>
             </a:r>
             <a:r>
               <a:rPr lang="de-DE" dirty="0" err="1" smtClean="0"/>
@@ -1508,53 +1923,41 @@
               <a:t>-Automatisierung wie etwa </a:t>
             </a:r>
             <a:r>
-              <a:rPr lang="de-DE" dirty="0" err="1" smtClean="0">
-                <a:hlinkClick r:id="rId7" tooltip="CruiseControl"/>
-              </a:rPr>
-              <a:t>CruiseControl</a:t>
-            </a:r>
-            <a:r>
-              <a:rPr lang="de-DE" dirty="0" smtClean="0"/>
-              <a:t> oder </a:t>
-            </a:r>
-            <a:r>
               <a:rPr lang="de-DE" dirty="0" smtClean="0">
-                <a:hlinkClick r:id="rId8" tooltip="Jenkins (Software)"/>
+                <a:hlinkClick r:id="rId6" tooltip="Jenkins (Software)"/>
               </a:rPr>
               <a:t>Jenkins</a:t>
             </a:r>
+            <a:r>
+              <a:rPr lang="de-DE" dirty="0" smtClean="0"/>
+              <a:t> einen Rahmen und ein Werkzeug zu Testentwicklung und -automatisierung,</a:t>
+            </a:r>
+          </a:p>
+          <a:p>
             <a:endParaRPr lang="de-DE" dirty="0" smtClean="0"/>
           </a:p>
           <a:p>
-            <a:r>
-              <a:rPr lang="de-DE" dirty="0" smtClean="0"/>
-              <a:t>einen Rahmen und ein Werkzeug zu Testentwicklung und -automatisierung,</a:t>
-            </a:r>
-          </a:p>
-          <a:p>
-            <a:r>
-              <a:rPr lang="de-DE" dirty="0" smtClean="0"/>
-              <a:t>damit die Iterationen schnell und unkompliziert durchlaufen werden können.</a:t>
-            </a:r>
-          </a:p>
-          <a:p>
-            <a:r>
-              <a:rPr lang="de-DE" dirty="0" smtClean="0"/>
-              <a:t>Bei der </a:t>
-            </a:r>
+            <a:pPr marL="228600" indent="-228600">
+              <a:buFont typeface="+mj-lt"/>
+              <a:buAutoNum type="arabicPeriod"/>
+            </a:pPr>
             <a:r>
               <a:rPr lang="de-DE" dirty="0" smtClean="0">
-                <a:hlinkClick r:id="rId9" tooltip="Java (Programmiersprache)"/>
+                <a:hlinkClick r:id="rId7" tooltip="Java (Programmiersprache)"/>
               </a:rPr>
               <a:t>Java</a:t>
             </a:r>
             <a:r>
               <a:rPr lang="de-DE" dirty="0" smtClean="0"/>
-              <a:t>-Entwicklung kommen dafür meist </a:t>
+              <a:t>-Entwicklung </a:t>
+            </a:r>
+            <a:r>
+              <a:rPr lang="de-DE" dirty="0" smtClean="0"/>
+              <a:t>kommen dafür meist </a:t>
             </a:r>
             <a:r>
               <a:rPr lang="de-DE" dirty="0" err="1" smtClean="0">
-                <a:hlinkClick r:id="rId10" tooltip="Apache Ant"/>
+                <a:hlinkClick r:id="rId8" tooltip="Apache Ant"/>
               </a:rPr>
               <a:t>Ant</a:t>
             </a:r>
@@ -1564,7 +1967,7 @@
             </a:r>
             <a:r>
               <a:rPr lang="de-DE" dirty="0" err="1" smtClean="0">
-                <a:hlinkClick r:id="rId11" tooltip="Apache Maven"/>
+                <a:hlinkClick r:id="rId9" tooltip="Apache Maven"/>
               </a:rPr>
               <a:t>Maven</a:t>
             </a:r>
@@ -1574,7 +1977,7 @@
             </a:r>
             <a:r>
               <a:rPr lang="de-DE" dirty="0" err="1" smtClean="0">
-                <a:hlinkClick r:id="rId12" tooltip="Gradle"/>
+                <a:hlinkClick r:id="rId10" tooltip="Gradle"/>
               </a:rPr>
               <a:t>Gradle</a:t>
             </a:r>
@@ -1584,17 +1987,32 @@
             </a:r>
             <a:r>
               <a:rPr lang="de-DE" dirty="0" err="1" smtClean="0">
-                <a:hlinkClick r:id="rId13" tooltip="JUnit"/>
+                <a:hlinkClick r:id="rId11" tooltip="JUnit"/>
               </a:rPr>
               <a:t>JUnit</a:t>
             </a:r>
             <a:r>
               <a:rPr lang="de-DE" dirty="0" smtClean="0"/>
-              <a:t> zum Einsatz. Für die meisten anderen Programmiersprachen existieren ähnliche Werkzeuge, wie z. B. für PHP </a:t>
+              <a:t> zum Einsatz. </a:t>
+            </a:r>
+            <a:endParaRPr lang="de-DE" dirty="0" smtClean="0"/>
+          </a:p>
+          <a:p>
+            <a:pPr marL="228600" indent="-228600">
+              <a:buFont typeface="+mj-lt"/>
+              <a:buAutoNum type="arabicPeriod"/>
+            </a:pPr>
+            <a:r>
+              <a:rPr lang="de-DE" dirty="0" smtClean="0"/>
+              <a:t>ähnliche </a:t>
+            </a:r>
+            <a:r>
+              <a:rPr lang="de-DE" dirty="0" smtClean="0"/>
+              <a:t>Werkzeuge, wie z. B. für PHP </a:t>
             </a:r>
             <a:r>
               <a:rPr lang="de-DE" dirty="0" err="1" smtClean="0">
-                <a:hlinkClick r:id="rId14" tooltip="PHPUnit"/>
+                <a:hlinkClick r:id="rId12" tooltip="PHPUnit"/>
               </a:rPr>
               <a:t>PHPUnit</a:t>
             </a:r>
@@ -1604,7 +2022,7 @@
             </a:r>
             <a:r>
               <a:rPr lang="de-DE" dirty="0" err="1" smtClean="0">
-                <a:hlinkClick r:id="rId15" tooltip="Ceedling (Seite nicht vorhanden)"/>
+                <a:hlinkClick r:id="rId13" tooltip="Ceedling (Seite nicht vorhanden)"/>
               </a:rPr>
               <a:t>Ceedling</a:t>
             </a:r>
@@ -1614,7 +2032,7 @@
             </a:r>
             <a:r>
               <a:rPr lang="de-DE" dirty="0" err="1" smtClean="0">
-                <a:hlinkClick r:id="rId16" tooltip="Unity (Test Framework) (Seite nicht vorhanden)"/>
+                <a:hlinkClick r:id="rId14" tooltip="Unity (Test Framework) (Seite nicht vorhanden)"/>
               </a:rPr>
               <a:t>Unity</a:t>
             </a:r>
@@ -1624,7 +2042,7 @@
             </a:r>
             <a:r>
               <a:rPr lang="de-DE" dirty="0" err="1" smtClean="0">
-                <a:hlinkClick r:id="rId17" tooltip="CMock (Seite nicht vorhanden)"/>
+                <a:hlinkClick r:id="rId15" tooltip="CMock (Seite nicht vorhanden)"/>
               </a:rPr>
               <a:t>CMock</a:t>
             </a:r>
@@ -1634,73 +2052,77 @@
             </a:r>
             <a:r>
               <a:rPr lang="de-DE" dirty="0" smtClean="0">
-                <a:hlinkClick r:id="rId18" tooltip="C (Programmiersprache)"/>
+                <a:hlinkClick r:id="rId16" tooltip="C (Programmiersprache)"/>
               </a:rPr>
               <a:t>C</a:t>
             </a:r>
             <a:endParaRPr lang="de-DE" dirty="0" smtClean="0"/>
           </a:p>
           <a:p>
-            <a:r>
-              <a:rPr lang="de-DE" dirty="0" smtClean="0"/>
-              <a:t>Für komplexe Systeme müssen mehrere Teilkomponenten unabhängig voneinander entwickelt werden und es finden dazu auch noch Fremdkomponenten Verwendung, etwa ein Datenbanksystem zwecks persistenter Datenhaltung. Die korrekte Zusammenarbeit und Funktion der Komponenten im System muss dann auch getestet werden. Um nun die Einzelkomponenten dabei separat testen zu können, die doch aber zu ihrer korrekten Funktion wesentlich von anderen Komponenten abhängen, verwendet man </a:t>
+            <a:pPr marL="0" indent="0">
+              <a:buFont typeface="+mj-lt"/>
+              <a:buNone/>
+            </a:pPr>
+            <a:endParaRPr lang="de-DE" dirty="0" smtClean="0"/>
+          </a:p>
+          <a:p>
+            <a:r>
+              <a:rPr lang="de-DE" dirty="0" smtClean="0"/>
+              <a:t>Für komplexe Systeme müssen mehrere Teilkomponenten unabhängig voneinander </a:t>
+            </a:r>
+            <a:r>
+              <a:rPr lang="de-DE" dirty="0" smtClean="0"/>
+              <a:t>testen. </a:t>
+            </a:r>
+            <a:r>
+              <a:rPr lang="de-DE" dirty="0" smtClean="0"/>
+              <a:t>Die korrekte Zusammenarbeit und Funktion der Komponenten </a:t>
+            </a:r>
+            <a:r>
+              <a:rPr lang="de-DE" dirty="0" err="1" smtClean="0"/>
+              <a:t>zutesten</a:t>
+            </a:r>
+            <a:r>
+              <a:rPr lang="de-DE" baseline="0" dirty="0" smtClean="0"/>
+              <a:t> ist schwer deshalb vortäuschen durch </a:t>
             </a:r>
             <a:r>
               <a:rPr lang="de-DE" dirty="0" smtClean="0">
-                <a:hlinkClick r:id="rId19" tooltip="Mock-Objekt"/>
+                <a:hlinkClick r:id="rId17" tooltip="Mock-Objekt"/>
               </a:rPr>
               <a:t>Mock-Objekte</a:t>
             </a:r>
             <a:r>
               <a:rPr lang="de-DE" dirty="0" smtClean="0"/>
-              <a:t> als deren Stellvertreter. Die Mock-Objekte ersetzen und simulieren im Test die benötigten anderen Komponenten in einer Weise, die der Tester ihnen einprogrammiert.</a:t>
-            </a:r>
-          </a:p>
-          <a:p>
-            <a:r>
-              <a:rPr lang="de-DE" dirty="0" smtClean="0"/>
-              <a:t>Ein Werkzeug für Akzeptanztests und Systemtests ist beispielsweise </a:t>
+              <a:t>. Ein </a:t>
+            </a:r>
+            <a:r>
+              <a:rPr lang="de-DE" dirty="0" smtClean="0"/>
+              <a:t>Werkzeug für Akzeptanztests und Systemtests ist beispielsweise </a:t>
             </a:r>
             <a:r>
               <a:rPr lang="de-DE" dirty="0" smtClean="0">
-                <a:hlinkClick r:id="rId20" tooltip="Framework for Integrated Test"/>
+                <a:hlinkClick r:id="rId18" tooltip="Framework for Integrated Test"/>
               </a:rPr>
               <a:t>Framework </a:t>
             </a:r>
             <a:r>
               <a:rPr lang="de-DE" dirty="0" err="1" smtClean="0">
-                <a:hlinkClick r:id="rId20" tooltip="Framework for Integrated Test"/>
+                <a:hlinkClick r:id="rId18" tooltip="Framework for Integrated Test"/>
               </a:rPr>
               <a:t>for</a:t>
             </a:r>
             <a:r>
               <a:rPr lang="de-DE" dirty="0" smtClean="0">
-                <a:hlinkClick r:id="rId20" tooltip="Framework for Integrated Test"/>
+                <a:hlinkClick r:id="rId18" tooltip="Framework for Integrated Test"/>
               </a:rPr>
               <a:t> Integrated Test</a:t>
             </a:r>
             <a:r>
               <a:rPr lang="de-DE" dirty="0" smtClean="0"/>
-              <a:t>. Eine beliebte FIT-Variante ist </a:t>
-            </a:r>
-            <a:r>
-              <a:rPr lang="de-DE" i="1" dirty="0" err="1" smtClean="0"/>
-              <a:t>Fitnesse</a:t>
-            </a:r>
-            <a:r>
-              <a:rPr lang="de-DE" dirty="0" smtClean="0"/>
-              <a:t>, ein </a:t>
-            </a:r>
-            <a:r>
-              <a:rPr lang="de-DE" dirty="0" smtClean="0">
-                <a:hlinkClick r:id="rId21" tooltip="Wiki"/>
-              </a:rPr>
-              <a:t>Wiki</a:t>
-            </a:r>
-            <a:r>
-              <a:rPr lang="de-DE" dirty="0" smtClean="0"/>
-              <a:t>-Server mit integrierter Testerstellungs- und Testausführungsumgebung.</a:t>
-            </a:r>
+              <a:t>.</a:t>
+            </a:r>
+            <a:endParaRPr lang="de-DE" dirty="0" smtClean="0"/>
           </a:p>
         </p:txBody>
       </p:sp>
@@ -1784,6 +2206,10 @@
           <a:bodyPr/>
           <a:lstStyle/>
           <a:p>
+            <a:pPr marL="171450" indent="-171450">
+              <a:buFont typeface="Arial" panose="020B0604020202020204" pitchFamily="34" charset="0"/>
+              <a:buChar char="•"/>
+            </a:pPr>
             <a:r>
               <a:rPr lang="de-DE" dirty="0" smtClean="0"/>
               <a:t>Vor dem Kontext agiler Methoden in der Softwareentwicklung bildet die testgeleitete Entwicklung einen generellen Designansatz und kein </a:t>
@@ -1810,299 +2236,113 @@
             </a:r>
             <a:r>
               <a:rPr lang="de-DE" dirty="0" smtClean="0"/>
-              <a:t> die Triebfeder dieses Paradigmas ist. Manche Entwickler würden keine Zeile Quellcode schreiben, bevor nicht ein Testfall für die Codezeile vorliegt. Auf diese Weise wird nicht nur der Umfang des Codes reduziert, sondern auch die Effektivität des gesamten Projektes sichergestellt – inklusive kürzerer Veröffentlichungszyklen. Die Tests sorgen für einen Fokus auf die Ziele der Software und deren Funktionalität. Zudem ist es leichter, weitere Funktionen hinzuzufügen und die Software zu erweitern – selbst für Entwickler, die nicht am Projekt beteiligt waren. Zwar kann die testgetriebene Programmierung Entwickler mit sehr hohen Fachkenntnissen und viel Erfahrung erfordern, die Resultate sprechen jedoch auch für sich – wartungsfreie Software ist zum einen kein Kostenfaktor, der nach dem Release zum Tragen kommen könnte. Zum anderen sorgt der Ansatz für einbahnfrei funktionierende Software, die beim Endnutzer gerne angewendet wird, weil sie keine Fehler aufweist.</a:t>
+              <a:t> die Triebfeder dieses Paradigmas ist</a:t>
+            </a:r>
+            <a:r>
+              <a:rPr lang="de-DE" dirty="0" smtClean="0"/>
+              <a:t>.</a:t>
+            </a:r>
+          </a:p>
+          <a:p>
+            <a:pPr marL="171450" indent="-171450">
+              <a:buFont typeface="Arial" panose="020B0604020202020204" pitchFamily="34" charset="0"/>
+              <a:buChar char="•"/>
+            </a:pPr>
+            <a:r>
+              <a:rPr lang="de-DE" dirty="0" smtClean="0"/>
+              <a:t>Manche </a:t>
+            </a:r>
+            <a:r>
+              <a:rPr lang="de-DE" dirty="0" smtClean="0"/>
+              <a:t>Entwickler würden keine Zeile Quellcode schreiben, bevor nicht ein Testfall für die Codezeile vorliegt. Auf diese Weise wird nicht nur der Umfang des Codes reduziert, sondern auch die Effektivität des gesamten Projektes </a:t>
+            </a:r>
+            <a:r>
+              <a:rPr lang="de-DE" dirty="0" smtClean="0"/>
+              <a:t>sichergestellt.</a:t>
+            </a:r>
+          </a:p>
+          <a:p>
+            <a:pPr marL="171450" indent="-171450">
+              <a:buFont typeface="Arial" panose="020B0604020202020204" pitchFamily="34" charset="0"/>
+              <a:buChar char="•"/>
+            </a:pPr>
+            <a:r>
+              <a:rPr lang="de-DE" dirty="0" smtClean="0"/>
+              <a:t>Die </a:t>
+            </a:r>
+            <a:r>
+              <a:rPr lang="de-DE" dirty="0" smtClean="0"/>
+              <a:t>Tests sorgen für einen Fokus auf die Ziele der Software und deren Funktionalität. Zudem ist es leichter, weitere Funktionen hinzuzufügen und die Software zu erweitern </a:t>
+            </a:r>
+            <a:r>
+              <a:rPr lang="de-DE" dirty="0" smtClean="0"/>
+              <a:t>auch für Entwickler die nicht am </a:t>
+            </a:r>
+            <a:r>
+              <a:rPr lang="de-DE" dirty="0" smtClean="0"/>
+              <a:t>Projekt </a:t>
+            </a:r>
+            <a:r>
+              <a:rPr lang="de-DE" dirty="0" smtClean="0"/>
+              <a:t>beteiligt sind.</a:t>
+            </a:r>
+          </a:p>
+          <a:p>
+            <a:pPr marL="171450" indent="-171450">
+              <a:buFont typeface="Arial" panose="020B0604020202020204" pitchFamily="34" charset="0"/>
+              <a:buChar char="•"/>
+            </a:pPr>
+            <a:r>
+              <a:rPr lang="de-DE" dirty="0" smtClean="0"/>
+              <a:t>Zwar erfordert</a:t>
+            </a:r>
+            <a:r>
+              <a:rPr lang="de-DE" baseline="0" dirty="0" smtClean="0"/>
+              <a:t> </a:t>
+            </a:r>
+            <a:r>
+              <a:rPr lang="de-DE" dirty="0" smtClean="0"/>
+              <a:t>die </a:t>
+            </a:r>
+            <a:r>
+              <a:rPr lang="de-DE" dirty="0" smtClean="0"/>
+              <a:t>testgetriebene Programmierung </a:t>
+            </a:r>
+            <a:r>
+              <a:rPr lang="de-DE" dirty="0" smtClean="0"/>
+              <a:t>sehr </a:t>
+            </a:r>
+            <a:r>
+              <a:rPr lang="de-DE" dirty="0" smtClean="0"/>
+              <a:t>hohen Fachkenntnissen und viel </a:t>
+            </a:r>
+            <a:r>
+              <a:rPr lang="de-DE" dirty="0" smtClean="0"/>
+              <a:t>Erfahrung, </a:t>
+            </a:r>
+            <a:r>
+              <a:rPr lang="de-DE" dirty="0" smtClean="0"/>
+              <a:t>die Resultate sprechen jedoch auch für sich </a:t>
+            </a:r>
+            <a:r>
+              <a:rPr lang="de-DE" dirty="0" smtClean="0"/>
+              <a:t>wartungsfreie </a:t>
+            </a:r>
+            <a:r>
+              <a:rPr lang="de-DE" dirty="0" smtClean="0"/>
+              <a:t>Software ist zum einen kein </a:t>
+            </a:r>
+            <a:r>
+              <a:rPr lang="de-DE" dirty="0" smtClean="0"/>
+              <a:t>Kostenfaktor mehr. </a:t>
+            </a:r>
+            <a:r>
+              <a:rPr lang="de-DE" dirty="0" smtClean="0"/>
+              <a:t>Zum anderen sorgt der Ansatz für einbahnfrei funktionierende Software, die beim Endnutzer gerne angewendet wird, weil sie keine Fehler aufweist.</a:t>
             </a:r>
           </a:p>
           <a:p>
             <a:endParaRPr lang="de-DE" dirty="0" smtClean="0"/>
-          </a:p>
-          <a:p>
-            <a:endParaRPr lang="de-DE" dirty="0" smtClean="0"/>
-          </a:p>
-          <a:p>
-            <a:r>
-              <a:rPr lang="de-DE" b="1" dirty="0" smtClean="0"/>
-              <a:t>Einsatzgebiete</a:t>
-            </a:r>
-          </a:p>
-          <a:p>
-            <a:r>
-              <a:rPr lang="de-DE" i="1" dirty="0" smtClean="0"/>
-              <a:t>Testgetriebene Entwicklung</a:t>
-            </a:r>
-            <a:r>
-              <a:rPr lang="de-DE" dirty="0" smtClean="0"/>
-              <a:t> ist wesentlicher Bestandteil des </a:t>
-            </a:r>
-            <a:r>
-              <a:rPr lang="de-DE" dirty="0" smtClean="0">
-                <a:hlinkClick r:id="rId4" tooltip="Extreme Programming"/>
-              </a:rPr>
-              <a:t>Extreme </a:t>
-            </a:r>
-            <a:r>
-              <a:rPr lang="de-DE" dirty="0" err="1" smtClean="0">
-                <a:hlinkClick r:id="rId4" tooltip="Extreme Programming"/>
-              </a:rPr>
-              <a:t>Programming</a:t>
-            </a:r>
-            <a:r>
-              <a:rPr lang="de-DE" dirty="0" smtClean="0"/>
-              <a:t> (XP) und anderer </a:t>
-            </a:r>
-            <a:r>
-              <a:rPr lang="de-DE" dirty="0" smtClean="0">
-                <a:hlinkClick r:id="rId5" tooltip="Agile Methode"/>
-              </a:rPr>
-              <a:t>agiler Methoden</a:t>
-            </a:r>
-            <a:r>
-              <a:rPr lang="de-DE" dirty="0" smtClean="0"/>
-              <a:t>. Auch außerhalb dieser ist sie anzutreffen, häufig in Verbindung mit der </a:t>
-            </a:r>
-            <a:r>
-              <a:rPr lang="de-DE" dirty="0" smtClean="0">
-                <a:hlinkClick r:id="rId6" tooltip="Paarprogrammierung"/>
-              </a:rPr>
-              <a:t>Paarprogrammierung</a:t>
-            </a:r>
-            <a:r>
-              <a:rPr lang="de-DE" dirty="0" smtClean="0"/>
-              <a:t>. Als Übungsmethode werden oft </a:t>
-            </a:r>
-            <a:r>
-              <a:rPr lang="de-DE" dirty="0" smtClean="0">
-                <a:hlinkClick r:id="rId7" tooltip="Kata (Programmierung)"/>
-              </a:rPr>
-              <a:t>Katas</a:t>
-            </a:r>
-            <a:r>
-              <a:rPr lang="de-DE" dirty="0" smtClean="0"/>
-              <a:t> eingesetzt.</a:t>
-            </a:r>
-          </a:p>
-          <a:p>
-            <a:r>
-              <a:rPr lang="de-DE" b="1" dirty="0" smtClean="0"/>
-              <a:t>Werkzeuge</a:t>
-            </a:r>
-          </a:p>
-          <a:p>
-            <a:r>
-              <a:rPr lang="de-DE" dirty="0" smtClean="0"/>
-              <a:t>Die testgetriebene Entwicklung braucht vordringlich</a:t>
-            </a:r>
-          </a:p>
-          <a:p>
-            <a:r>
-              <a:rPr lang="de-DE" dirty="0" smtClean="0"/>
-              <a:t>ein Werkzeug zur </a:t>
-            </a:r>
-            <a:r>
-              <a:rPr lang="de-DE" dirty="0" err="1" smtClean="0"/>
-              <a:t>Build</a:t>
-            </a:r>
-            <a:r>
-              <a:rPr lang="de-DE" dirty="0" smtClean="0"/>
-              <a:t>-Automatisierung wie etwa </a:t>
-            </a:r>
-            <a:r>
-              <a:rPr lang="de-DE" dirty="0" err="1" smtClean="0">
-                <a:hlinkClick r:id="rId8" tooltip="CruiseControl"/>
-              </a:rPr>
-              <a:t>CruiseControl</a:t>
-            </a:r>
-            <a:r>
-              <a:rPr lang="de-DE" dirty="0" smtClean="0"/>
-              <a:t> oder </a:t>
-            </a:r>
-            <a:r>
-              <a:rPr lang="de-DE" dirty="0" smtClean="0">
-                <a:hlinkClick r:id="rId9" tooltip="Jenkins (Software)"/>
-              </a:rPr>
-              <a:t>Jenkins</a:t>
-            </a:r>
-            <a:endParaRPr lang="de-DE" dirty="0" smtClean="0"/>
-          </a:p>
-          <a:p>
-            <a:r>
-              <a:rPr lang="de-DE" dirty="0" smtClean="0"/>
-              <a:t>einen Rahmen und ein Werkzeug zu Testentwicklung und -automatisierung,</a:t>
-            </a:r>
-          </a:p>
-          <a:p>
-            <a:r>
-              <a:rPr lang="de-DE" dirty="0" smtClean="0"/>
-              <a:t>damit die Iterationen schnell und unkompliziert durchlaufen werden können.</a:t>
-            </a:r>
-          </a:p>
-          <a:p>
-            <a:r>
-              <a:rPr lang="de-DE" dirty="0" smtClean="0"/>
-              <a:t>Bei der </a:t>
-            </a:r>
-            <a:r>
-              <a:rPr lang="de-DE" dirty="0" smtClean="0">
-                <a:hlinkClick r:id="rId10" tooltip="Java (Programmiersprache)"/>
-              </a:rPr>
-              <a:t>Java</a:t>
-            </a:r>
-            <a:r>
-              <a:rPr lang="de-DE" dirty="0" smtClean="0"/>
-              <a:t>-Entwicklung kommen dafür meist </a:t>
-            </a:r>
-            <a:r>
-              <a:rPr lang="de-DE" dirty="0" err="1" smtClean="0">
-                <a:hlinkClick r:id="rId11" tooltip="Apache Ant"/>
-              </a:rPr>
-              <a:t>Ant</a:t>
-            </a:r>
-            <a:r>
-              <a:rPr lang="de-DE" dirty="0" smtClean="0"/>
-              <a:t>, </a:t>
-            </a:r>
-            <a:r>
-              <a:rPr lang="de-DE" dirty="0" err="1" smtClean="0">
-                <a:hlinkClick r:id="rId12" tooltip="Apache Maven"/>
-              </a:rPr>
-              <a:t>Maven</a:t>
-            </a:r>
-            <a:r>
-              <a:rPr lang="de-DE" dirty="0" smtClean="0"/>
-              <a:t> oder </a:t>
-            </a:r>
-            <a:r>
-              <a:rPr lang="de-DE" dirty="0" err="1" smtClean="0">
-                <a:hlinkClick r:id="rId13" tooltip="Gradle"/>
-              </a:rPr>
-              <a:t>Gradle</a:t>
-            </a:r>
-            <a:r>
-              <a:rPr lang="de-DE" dirty="0" smtClean="0"/>
-              <a:t> und </a:t>
-            </a:r>
-            <a:r>
-              <a:rPr lang="de-DE" dirty="0" err="1" smtClean="0">
-                <a:hlinkClick r:id="rId14" tooltip="JUnit"/>
-              </a:rPr>
-              <a:t>JUnit</a:t>
-            </a:r>
-            <a:r>
-              <a:rPr lang="de-DE" dirty="0" smtClean="0"/>
-              <a:t> zum Einsatz. Für die meisten anderen Programmiersprachen existieren ähnliche Werkzeuge, wie z. B. für PHP </a:t>
-            </a:r>
-            <a:r>
-              <a:rPr lang="de-DE" dirty="0" err="1" smtClean="0">
-                <a:hlinkClick r:id="rId15" tooltip="PHPUnit"/>
-              </a:rPr>
-              <a:t>PHPUnit</a:t>
-            </a:r>
-            <a:r>
-              <a:rPr lang="de-DE" dirty="0" smtClean="0"/>
-              <a:t> oder </a:t>
-            </a:r>
-            <a:r>
-              <a:rPr lang="de-DE" dirty="0" err="1" smtClean="0">
-                <a:hlinkClick r:id="rId16" tooltip="Ceedling (Seite nicht vorhanden)"/>
-              </a:rPr>
-              <a:t>Ceedling</a:t>
-            </a:r>
-            <a:r>
-              <a:rPr lang="de-DE" dirty="0" smtClean="0"/>
-              <a:t>, </a:t>
-            </a:r>
-            <a:r>
-              <a:rPr lang="de-DE" dirty="0" err="1" smtClean="0">
-                <a:hlinkClick r:id="rId17" tooltip="Unity (Test Framework) (Seite nicht vorhanden)"/>
-              </a:rPr>
-              <a:t>Unity</a:t>
-            </a:r>
-            <a:r>
-              <a:rPr lang="de-DE" dirty="0" smtClean="0"/>
-              <a:t> und </a:t>
-            </a:r>
-            <a:r>
-              <a:rPr lang="de-DE" dirty="0" err="1" smtClean="0">
-                <a:hlinkClick r:id="rId18" tooltip="CMock (Seite nicht vorhanden)"/>
-              </a:rPr>
-              <a:t>CMock</a:t>
-            </a:r>
-            <a:r>
-              <a:rPr lang="de-DE" dirty="0" smtClean="0"/>
-              <a:t> für </a:t>
-            </a:r>
-            <a:r>
-              <a:rPr lang="de-DE" dirty="0" smtClean="0">
-                <a:hlinkClick r:id="rId19" tooltip="C (Programmiersprache)"/>
-              </a:rPr>
-              <a:t>C</a:t>
-            </a:r>
-            <a:endParaRPr lang="de-DE" dirty="0" smtClean="0"/>
-          </a:p>
-          <a:p>
-            <a:r>
-              <a:rPr lang="de-DE" dirty="0" smtClean="0"/>
-              <a:t>Für komplexe Systeme müssen mehrere Teilkomponenten unabhängig voneinander entwickelt werden und es finden dazu auch noch Fremdkomponenten Verwendung, etwa ein Datenbanksystem zwecks persistenter Datenhaltung. Die korrekte Zusammenarbeit und Funktion der Komponenten im System muss dann auch getestet werden. Um nun die Einzelkomponenten dabei separat testen zu können, die doch aber zu ihrer korrekten Funktion wesentlich von anderen Komponenten abhängen, verwendet man </a:t>
-            </a:r>
-            <a:r>
-              <a:rPr lang="de-DE" dirty="0" smtClean="0">
-                <a:hlinkClick r:id="rId20" tooltip="Mock-Objekt"/>
-              </a:rPr>
-              <a:t>Mock-Objekte</a:t>
-            </a:r>
-            <a:r>
-              <a:rPr lang="de-DE" dirty="0" smtClean="0"/>
-              <a:t> als deren Stellvertreter. Die Mock-Objekte ersetzen und simulieren im Test die benötigten anderen Komponenten in einer Weise, die der Tester ihnen einprogrammiert.</a:t>
-            </a:r>
-          </a:p>
-          <a:p>
-            <a:r>
-              <a:rPr lang="de-DE" dirty="0" smtClean="0"/>
-              <a:t>Ein Werkzeug für Akzeptanztests und Systemtests ist beispielsweise </a:t>
-            </a:r>
-            <a:r>
-              <a:rPr lang="de-DE" dirty="0" smtClean="0">
-                <a:hlinkClick r:id="rId21" tooltip="Framework for Integrated Test"/>
-              </a:rPr>
-              <a:t>Framework </a:t>
-            </a:r>
-            <a:r>
-              <a:rPr lang="de-DE" dirty="0" err="1" smtClean="0">
-                <a:hlinkClick r:id="rId21" tooltip="Framework for Integrated Test"/>
-              </a:rPr>
-              <a:t>for</a:t>
-            </a:r>
-            <a:r>
-              <a:rPr lang="de-DE" dirty="0" smtClean="0">
-                <a:hlinkClick r:id="rId21" tooltip="Framework for Integrated Test"/>
-              </a:rPr>
-              <a:t> Integrated Test</a:t>
-            </a:r>
-            <a:r>
-              <a:rPr lang="de-DE" dirty="0" smtClean="0"/>
-              <a:t>. Eine beliebte FIT-Variante ist </a:t>
-            </a:r>
-            <a:r>
-              <a:rPr lang="de-DE" i="1" dirty="0" err="1" smtClean="0"/>
-              <a:t>Fitnesse</a:t>
-            </a:r>
-            <a:r>
-              <a:rPr lang="de-DE" dirty="0" smtClean="0"/>
-              <a:t>, ein </a:t>
-            </a:r>
-            <a:r>
-              <a:rPr lang="de-DE" dirty="0" smtClean="0">
-                <a:hlinkClick r:id="rId22" tooltip="Wiki"/>
-              </a:rPr>
-              <a:t>Wiki</a:t>
-            </a:r>
-            <a:r>
-              <a:rPr lang="de-DE" dirty="0" smtClean="0"/>
-              <a:t>-Server mit integrierter Testerstellungs- und Testausführungsumgebung.</a:t>
-            </a:r>
-          </a:p>
-          <a:p>
-            <a:endParaRPr lang="de-DE" dirty="0"/>
           </a:p>
         </p:txBody>
       </p:sp>

--- a/Slides/ePortfolio_test-driven_development.pptx
+++ b/Slides/ePortfolio_test-driven_development.pptx
@@ -1154,7 +1154,23 @@
             </a:r>
             <a:r>
               <a:rPr lang="de-DE" dirty="0" smtClean="0"/>
-              <a:t>Ursache dafür liegt jedoch in der Regel darin, dass die getestete Unit nicht ausreichend separiert wurde, die Tests also nicht atomar sind</a:t>
+              <a:t>Ursache dafür liegt jedoch in der Regel darin, dass die getestete Unit nicht ausreichend separiert wurde, die Tests also </a:t>
+            </a:r>
+            <a:r>
+              <a:rPr lang="de-DE" dirty="0" smtClean="0"/>
+              <a:t>grob </a:t>
+            </a:r>
+            <a:r>
+              <a:rPr lang="de-DE" b="1" dirty="0" smtClean="0"/>
+              <a:t>nicht</a:t>
+            </a:r>
+            <a:r>
+              <a:rPr lang="de-DE" dirty="0" smtClean="0"/>
+              <a:t> atomar </a:t>
+            </a:r>
+            <a:r>
+              <a:rPr lang="de-DE" dirty="0" smtClean="0"/>
+              <a:t>sind</a:t>
             </a:r>
             <a:r>
               <a:rPr lang="de-DE" dirty="0" smtClean="0"/>
@@ -1238,45 +1254,29 @@
             </a:pPr>
             <a:r>
               <a:rPr lang="de-DE" dirty="0" smtClean="0"/>
-              <a:t>Die Entsprechung der Software gegenüber den funktionalen und nicht-funktionalen Anforderungen kann mittels testgetriebener Entwicklung oft nicht festgestellt werden. Dafür sind akzeptanztestgetriebene Entwicklung wie beispielsweise </a:t>
-            </a:r>
-            <a:r>
-              <a:rPr lang="de-DE" dirty="0" err="1" smtClean="0">
-                <a:hlinkClick r:id="rId8" tooltip="Behavior Driven Development"/>
-              </a:rPr>
-              <a:t>Behavior</a:t>
+              <a:t>Die Entsprechung der Software gegenüber den funktionalen und nicht-funktionalen Anforderungen kann mittels testgetriebener Entwicklung oft nicht festgestellt </a:t>
+            </a:r>
+            <a:r>
+              <a:rPr lang="de-DE" dirty="0" smtClean="0"/>
+              <a:t>werden</a:t>
+            </a:r>
+            <a:r>
+              <a:rPr lang="de-DE" baseline="0" dirty="0" smtClean="0"/>
+              <a:t> </a:t>
             </a:r>
             <a:r>
               <a:rPr lang="de-DE" dirty="0" smtClean="0">
-                <a:hlinkClick r:id="rId8" tooltip="Behavior Driven Development"/>
-              </a:rPr>
-              <a:t> </a:t>
-            </a:r>
-            <a:r>
-              <a:rPr lang="de-DE" dirty="0" err="1" smtClean="0">
-                <a:hlinkClick r:id="rId8" tooltip="Behavior Driven Development"/>
-              </a:rPr>
-              <a:t>Driven</a:t>
-            </a:r>
-            <a:r>
-              <a:rPr lang="de-DE" dirty="0" smtClean="0">
-                <a:hlinkClick r:id="rId8" tooltip="Behavior Driven Development"/>
-              </a:rPr>
-              <a:t> Development</a:t>
-            </a:r>
-            <a:r>
-              <a:rPr lang="de-DE" dirty="0" smtClean="0"/>
-              <a:t> oder </a:t>
-            </a:r>
-            <a:r>
-              <a:rPr lang="de-DE" dirty="0" smtClean="0">
-                <a:hlinkClick r:id="rId9" tooltip="Systemtest"/>
+                <a:hlinkClick r:id="rId8" tooltip="Systemtest"/>
               </a:rPr>
               <a:t>Systemtests</a:t>
             </a:r>
             <a:r>
               <a:rPr lang="de-DE" dirty="0" smtClean="0"/>
-              <a:t> anzuraten.</a:t>
+              <a:t> </a:t>
+            </a:r>
+            <a:r>
+              <a:rPr lang="de-DE" dirty="0" smtClean="0"/>
+              <a:t>anzuraten.</a:t>
             </a:r>
           </a:p>
           <a:p>
@@ -1285,8 +1285,12 @@
               <a:buAutoNum type="arabicPeriod"/>
             </a:pPr>
             <a:r>
-              <a:rPr lang="de-DE" dirty="0" smtClean="0"/>
-              <a:t>Keine der genannten Testarten und Vorgehensweisen kann alle Fehler aufdecken, darum sollten in den meisten Fällen mehrere Testarten und fehlervermeidende Vorgehensweisen angewendet werden.</a:t>
+              <a:rPr lang="de-DE" b="1" dirty="0" smtClean="0"/>
+              <a:t>Keine</a:t>
+            </a:r>
+            <a:r>
+              <a:rPr lang="de-DE" dirty="0" smtClean="0"/>
+              <a:t> der genannten Testarten und Vorgehensweisen kann alle Fehler aufdecken, darum sollten in den meisten Fällen mehrere Testarten und fehlervermeidende Vorgehensweisen angewendet werden.</a:t>
             </a:r>
           </a:p>
           <a:p>
@@ -1405,8 +1409,8 @@
           </a:p>
           <a:p>
             <a:pPr marL="228600" indent="-228600">
-              <a:buFont typeface="+mj-lt"/>
-              <a:buAutoNum type="arabicPeriod"/>
+              <a:buFont typeface="Courier New" panose="02070309020205020404" pitchFamily="49" charset="0"/>
+              <a:buChar char="o"/>
             </a:pPr>
             <a:r>
               <a:rPr lang="de-DE" dirty="0" smtClean="0"/>
@@ -1423,8 +1427,8 @@
           </a:p>
           <a:p>
             <a:pPr marL="228600" indent="-228600">
-              <a:buFont typeface="+mj-lt"/>
-              <a:buAutoNum type="arabicPeriod"/>
+              <a:buFont typeface="Courier New" panose="02070309020205020404" pitchFamily="49" charset="0"/>
+              <a:buChar char="o"/>
             </a:pPr>
             <a:r>
               <a:rPr lang="de-DE" dirty="0" smtClean="0"/>
@@ -1432,23 +1436,12 @@
             </a:r>
             <a:r>
               <a:rPr lang="de-DE" dirty="0" smtClean="0"/>
-              <a:t>bestandene Test erweitert den Funktionsumfang oder stellt die Funktionalität der Software sicher. </a:t>
-            </a:r>
-            <a:r>
-              <a:rPr lang="de-DE" dirty="0" err="1" smtClean="0"/>
-              <a:t>Unittests</a:t>
-            </a:r>
-            <a:r>
-              <a:rPr lang="de-DE" dirty="0" smtClean="0"/>
-              <a:t> </a:t>
-            </a:r>
-            <a:r>
-              <a:rPr lang="de-DE" dirty="0" smtClean="0"/>
-              <a:t>nehmen in der Regel nur wenig Zeit in Anspruch, sodass der Fortschritt bei der Softwareentwicklung unmittelbar sichtbar wird. </a:t>
-            </a:r>
-            <a:endParaRPr lang="de-DE" dirty="0" smtClean="0"/>
-          </a:p>
-          <a:p>
+              <a:t>bestandene Test erweitert den Funktionsumfang oder stellt die Funktionalität der Software </a:t>
+            </a:r>
+            <a:r>
+              <a:rPr lang="de-DE" dirty="0" smtClean="0"/>
+              <a:t>sicher</a:t>
+            </a:r>
             <a:endParaRPr lang="de-DE" dirty="0" smtClean="0"/>
           </a:p>
           <a:p>
@@ -1593,18 +1586,13 @@
             </a:r>
             <a:r>
               <a:rPr lang="de-DE" dirty="0" smtClean="0"/>
-              <a:t> bezeichnet wird.</a:t>
-            </a:r>
-            <a:r>
-              <a:rPr lang="de-DE" baseline="30000" dirty="0" smtClean="0">
-                <a:hlinkClick r:id="rId4"/>
-              </a:rPr>
-              <a:t>[4]</a:t>
-            </a:r>
-            <a:r>
-              <a:rPr lang="de-DE" dirty="0" smtClean="0"/>
-              <a:t> </a:t>
-            </a:r>
+              <a:t> bezeichnet </a:t>
+            </a:r>
+            <a:r>
+              <a:rPr lang="de-DE" dirty="0" smtClean="0"/>
+              <a:t>wird</a:t>
+            </a:r>
+            <a:endParaRPr lang="de-DE" dirty="0" smtClean="0"/>
           </a:p>
           <a:p>
             <a:pPr marL="228600" indent="-228600">
@@ -1651,18 +1639,6 @@
               <a:rPr lang="de-DE" dirty="0" smtClean="0"/>
               <a:t>.</a:t>
             </a:r>
-          </a:p>
-          <a:p>
-            <a:pPr marL="228600" indent="-228600">
-              <a:buFont typeface="+mj-lt"/>
-              <a:buAutoNum type="arabicPeriod"/>
-            </a:pPr>
-            <a:r>
-              <a:rPr lang="de-DE" dirty="0" smtClean="0"/>
-              <a:t>Repeat</a:t>
-            </a:r>
-          </a:p>
-          <a:p>
             <a:endParaRPr lang="de-DE" dirty="0" smtClean="0"/>
           </a:p>
           <a:p>
@@ -1920,17 +1896,11 @@
             </a:r>
             <a:r>
               <a:rPr lang="de-DE" dirty="0" smtClean="0"/>
-              <a:t>-Automatisierung wie etwa </a:t>
-            </a:r>
-            <a:r>
-              <a:rPr lang="de-DE" dirty="0" smtClean="0">
-                <a:hlinkClick r:id="rId6" tooltip="Jenkins (Software)"/>
-              </a:rPr>
-              <a:t>Jenkins</a:t>
-            </a:r>
-            <a:r>
-              <a:rPr lang="de-DE" dirty="0" smtClean="0"/>
-              <a:t> einen Rahmen und ein Werkzeug zu Testentwicklung und -automatisierung,</a:t>
+              <a:t>-Automatisierung </a:t>
+            </a:r>
+            <a:r>
+              <a:rPr lang="de-DE" dirty="0" smtClean="0"/>
+              <a:t> und ein Werkzeug zu Testentwicklung und -automatisierung,</a:t>
             </a:r>
           </a:p>
           <a:p>
@@ -1943,7 +1913,7 @@
             </a:pPr>
             <a:r>
               <a:rPr lang="de-DE" dirty="0" smtClean="0">
-                <a:hlinkClick r:id="rId7" tooltip="Java (Programmiersprache)"/>
+                <a:hlinkClick r:id="rId6" tooltip="Java (Programmiersprache)"/>
               </a:rPr>
               <a:t>Java</a:t>
             </a:r>
@@ -1957,7 +1927,7 @@
             </a:r>
             <a:r>
               <a:rPr lang="de-DE" dirty="0" err="1" smtClean="0">
-                <a:hlinkClick r:id="rId8" tooltip="Apache Ant"/>
+                <a:hlinkClick r:id="rId7" tooltip="Apache Ant"/>
               </a:rPr>
               <a:t>Ant</a:t>
             </a:r>
@@ -1967,7 +1937,7 @@
             </a:r>
             <a:r>
               <a:rPr lang="de-DE" dirty="0" err="1" smtClean="0">
-                <a:hlinkClick r:id="rId9" tooltip="Apache Maven"/>
+                <a:hlinkClick r:id="rId8" tooltip="Apache Maven"/>
               </a:rPr>
               <a:t>Maven</a:t>
             </a:r>
@@ -1977,7 +1947,7 @@
             </a:r>
             <a:r>
               <a:rPr lang="de-DE" dirty="0" err="1" smtClean="0">
-                <a:hlinkClick r:id="rId10" tooltip="Gradle"/>
+                <a:hlinkClick r:id="rId9" tooltip="Gradle"/>
               </a:rPr>
               <a:t>Gradle</a:t>
             </a:r>
@@ -1987,7 +1957,7 @@
             </a:r>
             <a:r>
               <a:rPr lang="de-DE" dirty="0" err="1" smtClean="0">
-                <a:hlinkClick r:id="rId11" tooltip="JUnit"/>
+                <a:hlinkClick r:id="rId10" tooltip="JUnit"/>
               </a:rPr>
               <a:t>JUnit</a:t>
             </a:r>
@@ -2012,7 +1982,7 @@
             </a:r>
             <a:r>
               <a:rPr lang="de-DE" dirty="0" err="1" smtClean="0">
-                <a:hlinkClick r:id="rId12" tooltip="PHPUnit"/>
+                <a:hlinkClick r:id="rId11" tooltip="PHPUnit"/>
               </a:rPr>
               <a:t>PHPUnit</a:t>
             </a:r>
@@ -2022,7 +1992,7 @@
             </a:r>
             <a:r>
               <a:rPr lang="de-DE" dirty="0" err="1" smtClean="0">
-                <a:hlinkClick r:id="rId13" tooltip="Ceedling (Seite nicht vorhanden)"/>
+                <a:hlinkClick r:id="rId12" tooltip="Ceedling (Seite nicht vorhanden)"/>
               </a:rPr>
               <a:t>Ceedling</a:t>
             </a:r>
@@ -2032,7 +2002,7 @@
             </a:r>
             <a:r>
               <a:rPr lang="de-DE" dirty="0" err="1" smtClean="0">
-                <a:hlinkClick r:id="rId14" tooltip="Unity (Test Framework) (Seite nicht vorhanden)"/>
+                <a:hlinkClick r:id="rId13" tooltip="Unity (Test Framework) (Seite nicht vorhanden)"/>
               </a:rPr>
               <a:t>Unity</a:t>
             </a:r>
@@ -2042,7 +2012,7 @@
             </a:r>
             <a:r>
               <a:rPr lang="de-DE" dirty="0" err="1" smtClean="0">
-                <a:hlinkClick r:id="rId15" tooltip="CMock (Seite nicht vorhanden)"/>
+                <a:hlinkClick r:id="rId14" tooltip="CMock (Seite nicht vorhanden)"/>
               </a:rPr>
               <a:t>CMock</a:t>
             </a:r>
@@ -2052,7 +2022,7 @@
             </a:r>
             <a:r>
               <a:rPr lang="de-DE" dirty="0" smtClean="0">
-                <a:hlinkClick r:id="rId16" tooltip="C (Programmiersprache)"/>
+                <a:hlinkClick r:id="rId15" tooltip="C (Programmiersprache)"/>
               </a:rPr>
               <a:t>C</a:t>
             </a:r>
@@ -2088,35 +2058,9 @@
             </a:r>
             <a:r>
               <a:rPr lang="de-DE" dirty="0" smtClean="0">
-                <a:hlinkClick r:id="rId17" tooltip="Mock-Objekt"/>
+                <a:hlinkClick r:id="rId16" tooltip="Mock-Objekt"/>
               </a:rPr>
               <a:t>Mock-Objekte</a:t>
-            </a:r>
-            <a:r>
-              <a:rPr lang="de-DE" dirty="0" smtClean="0"/>
-              <a:t>. Ein </a:t>
-            </a:r>
-            <a:r>
-              <a:rPr lang="de-DE" dirty="0" smtClean="0"/>
-              <a:t>Werkzeug für Akzeptanztests und Systemtests ist beispielsweise </a:t>
-            </a:r>
-            <a:r>
-              <a:rPr lang="de-DE" dirty="0" smtClean="0">
-                <a:hlinkClick r:id="rId18" tooltip="Framework for Integrated Test"/>
-              </a:rPr>
-              <a:t>Framework </a:t>
-            </a:r>
-            <a:r>
-              <a:rPr lang="de-DE" dirty="0" err="1" smtClean="0">
-                <a:hlinkClick r:id="rId18" tooltip="Framework for Integrated Test"/>
-              </a:rPr>
-              <a:t>for</a:t>
-            </a:r>
-            <a:r>
-              <a:rPr lang="de-DE" dirty="0" smtClean="0">
-                <a:hlinkClick r:id="rId18" tooltip="Framework for Integrated Test"/>
-              </a:rPr>
-              <a:t> Integrated Test</a:t>
             </a:r>
             <a:r>
               <a:rPr lang="de-DE" dirty="0" smtClean="0"/>
@@ -2212,7 +2156,19 @@
             </a:pPr>
             <a:r>
               <a:rPr lang="de-DE" dirty="0" smtClean="0"/>
-              <a:t>Vor dem Kontext agiler Methoden in der Softwareentwicklung bildet die testgeleitete Entwicklung einen generellen Designansatz und kein </a:t>
+              <a:t>TDD</a:t>
+            </a:r>
+            <a:r>
+              <a:rPr lang="de-DE" baseline="0" dirty="0" smtClean="0"/>
+              <a:t> </a:t>
+            </a:r>
+            <a:r>
+              <a:rPr lang="de-DE" dirty="0" smtClean="0"/>
+              <a:t>generellen </a:t>
+            </a:r>
+            <a:r>
+              <a:rPr lang="de-DE" dirty="0" smtClean="0"/>
+              <a:t>Designansatz und kein </a:t>
             </a:r>
             <a:r>
               <a:rPr lang="de-DE" dirty="0" err="1" smtClean="0">
@@ -2228,7 +2184,23 @@
             </a:r>
             <a:r>
               <a:rPr lang="de-DE" dirty="0" smtClean="0"/>
-              <a:t>. Die Tatsache, dass zuerst getestet wird beziehungsweise Testfälle geschrieben werden, führt dazu, dass das </a:t>
+              <a:t>. Die Tatsache, dass zuerst getestet </a:t>
+            </a:r>
+            <a:r>
+              <a:rPr lang="de-DE" dirty="0" smtClean="0"/>
+              <a:t>wird</a:t>
+            </a:r>
+            <a:r>
+              <a:rPr lang="de-DE" baseline="0" dirty="0" smtClean="0"/>
+              <a:t> </a:t>
+            </a:r>
+            <a:r>
+              <a:rPr lang="de-DE" dirty="0" smtClean="0"/>
+              <a:t>, </a:t>
+            </a:r>
+            <a:r>
+              <a:rPr lang="de-DE" dirty="0" smtClean="0"/>
+              <a:t>führt dazu, dass das </a:t>
             </a:r>
             <a:r>
               <a:rPr lang="de-DE" dirty="0" err="1" smtClean="0"/>
@@ -2338,7 +2310,19 @@
             </a:r>
             <a:r>
               <a:rPr lang="de-DE" dirty="0" smtClean="0"/>
-              <a:t>Zum anderen sorgt der Ansatz für einbahnfrei funktionierende Software, die beim Endnutzer gerne angewendet wird, weil sie keine Fehler aufweist.</a:t>
+              <a:t>Zum anderen sorgt der Ansatz für </a:t>
+            </a:r>
+            <a:r>
+              <a:rPr lang="de-DE" dirty="0" err="1" smtClean="0"/>
+              <a:t>einwahnfrei</a:t>
+            </a:r>
+            <a:r>
+              <a:rPr lang="de-DE" dirty="0" smtClean="0"/>
+              <a:t> </a:t>
+            </a:r>
+            <a:r>
+              <a:rPr lang="de-DE" dirty="0" smtClean="0"/>
+              <a:t>funktionierende Software, die beim Endnutzer gerne angewendet wird, weil sie keine Fehler aufweist.</a:t>
             </a:r>
           </a:p>
           <a:p>
